--- a/InteractiveStorytellingVirtual.pptx
+++ b/InteractiveStorytellingVirtual.pptx
@@ -216,7 +216,7 @@
           <a:p>
             <a:fld id="{19104133-B5B0-4351-8158-4F0E5EB1E2BF}" type="datetimeFigureOut">
               <a:rPr lang="en-US" smtClean="0"/>
-              <a:t>5/27/2020</a:t>
+              <a:t>6/11/2020</a:t>
             </a:fld>
             <a:endParaRPr lang="en-US"/>
           </a:p>
@@ -693,19 +693,7 @@
           <a:p>
             <a:r>
               <a:rPr lang="en-US" dirty="0" smtClean="0"/>
-              <a:t>Once</a:t>
-            </a:r>
-            <a:r>
-              <a:rPr lang="en-US" baseline="0" dirty="0" smtClean="0"/>
-              <a:t> computers became more popular, these books inspired </a:t>
-            </a:r>
-            <a:r>
-              <a:rPr lang="en-US" i="1" baseline="0" dirty="0" smtClean="0"/>
-              <a:t>interactive fiction</a:t>
-            </a:r>
-            <a:r>
-              <a:rPr lang="en-US" i="0" baseline="0" dirty="0" smtClean="0"/>
-              <a:t>.</a:t>
+              <a:t>These books are the physical version of interactive fiction.</a:t>
             </a:r>
             <a:endParaRPr lang="en-US" dirty="0"/>
           </a:p>
@@ -964,11 +952,7 @@
           <a:p>
             <a:r>
               <a:rPr lang="en-US" b="0" baseline="0" dirty="0" smtClean="0"/>
-              <a:t>Allow the students to play through “Dead Space” and see which different endings they find</a:t>
-            </a:r>
-            <a:r>
-              <a:rPr lang="en-US" b="0" baseline="0" dirty="0" smtClean="0"/>
-              <a:t>. </a:t>
+              <a:t>Allow the students to play through “Dead Space” and see which different endings they find. </a:t>
             </a:r>
             <a:r>
               <a:rPr lang="en-US" dirty="0" smtClean="0">
@@ -1688,7 +1672,7 @@
             <a:fld id="{1C2D31DE-C454-491C-B5C3-F097855E3DF7}" type="datetime4">
               <a:rPr lang="en-US" smtClean="0"/>
               <a:pPr/>
-              <a:t>May 27, 2020</a:t>
+              <a:t>June 11, 2020</a:t>
             </a:fld>
             <a:endParaRPr lang="en-US" dirty="0"/>
           </a:p>
@@ -5088,7 +5072,7 @@
           <a:p>
             <a:fld id="{5958763E-B898-436D-883D-03711491D54A}" type="datetimeFigureOut">
               <a:rPr lang="en-US" smtClean="0"/>
-              <a:t>5/27/2020</a:t>
+              <a:t>6/11/2020</a:t>
             </a:fld>
             <a:endParaRPr lang="en-US"/>
           </a:p>
@@ -5289,7 +5273,7 @@
           <a:p>
             <a:fld id="{5958763E-B898-436D-883D-03711491D54A}" type="datetimeFigureOut">
               <a:rPr lang="en-US" smtClean="0"/>
-              <a:t>5/27/2020</a:t>
+              <a:t>6/11/2020</a:t>
             </a:fld>
             <a:endParaRPr lang="en-US"/>
           </a:p>
@@ -5546,7 +5530,7 @@
           <a:p>
             <a:fld id="{5958763E-B898-436D-883D-03711491D54A}" type="datetimeFigureOut">
               <a:rPr lang="en-US" smtClean="0"/>
-              <a:t>5/27/2020</a:t>
+              <a:t>6/11/2020</a:t>
             </a:fld>
             <a:endParaRPr lang="en-US"/>
           </a:p>
@@ -5901,7 +5885,7 @@
           <a:p>
             <a:fld id="{5958763E-B898-436D-883D-03711491D54A}" type="datetimeFigureOut">
               <a:rPr lang="en-US" smtClean="0"/>
-              <a:t>5/27/2020</a:t>
+              <a:t>6/11/2020</a:t>
             </a:fld>
             <a:endParaRPr lang="en-US"/>
           </a:p>
@@ -6324,7 +6308,7 @@
           <a:p>
             <a:fld id="{5958763E-B898-436D-883D-03711491D54A}" type="datetimeFigureOut">
               <a:rPr lang="en-US" smtClean="0"/>
-              <a:t>5/27/2020</a:t>
+              <a:t>6/11/2020</a:t>
             </a:fld>
             <a:endParaRPr lang="en-US"/>
           </a:p>
@@ -6832,7 +6816,7 @@
           <a:p>
             <a:fld id="{5958763E-B898-436D-883D-03711491D54A}" type="datetimeFigureOut">
               <a:rPr lang="en-US" smtClean="0"/>
-              <a:t>5/27/2020</a:t>
+              <a:t>6/11/2020</a:t>
             </a:fld>
             <a:endParaRPr lang="en-US"/>
           </a:p>
@@ -7290,7 +7274,7 @@
           <a:p>
             <a:fld id="{5958763E-B898-436D-883D-03711491D54A}" type="datetimeFigureOut">
               <a:rPr lang="en-US" smtClean="0"/>
-              <a:t>5/27/2020</a:t>
+              <a:t>6/11/2020</a:t>
             </a:fld>
             <a:endParaRPr lang="en-US"/>
           </a:p>
@@ -7908,7 +7892,7 @@
           <a:p>
             <a:fld id="{5958763E-B898-436D-883D-03711491D54A}" type="datetimeFigureOut">
               <a:rPr lang="en-US" smtClean="0"/>
-              <a:t>5/27/2020</a:t>
+              <a:t>6/11/2020</a:t>
             </a:fld>
             <a:endParaRPr lang="en-US"/>
           </a:p>
@@ -8686,7 +8670,7 @@
           <a:p>
             <a:fld id="{5958763E-B898-436D-883D-03711491D54A}" type="datetimeFigureOut">
               <a:rPr lang="en-US" smtClean="0"/>
-              <a:t>5/27/2020</a:t>
+              <a:t>6/11/2020</a:t>
             </a:fld>
             <a:endParaRPr lang="en-US"/>
           </a:p>
@@ -8797,7 +8781,7 @@
           <a:p>
             <a:fld id="{5958763E-B898-436D-883D-03711491D54A}" type="datetimeFigureOut">
               <a:rPr lang="en-US" smtClean="0"/>
-              <a:t>5/27/2020</a:t>
+              <a:t>6/11/2020</a:t>
             </a:fld>
             <a:endParaRPr lang="en-US"/>
           </a:p>
@@ -9139,7 +9123,7 @@
             <a:fld id="{1C2D31DE-C454-491C-B5C3-F097855E3DF7}" type="datetime4">
               <a:rPr lang="en-US" smtClean="0"/>
               <a:pPr/>
-              <a:t>May 27, 2020</a:t>
+              <a:t>June 11, 2020</a:t>
             </a:fld>
             <a:endParaRPr lang="en-US" dirty="0"/>
           </a:p>
@@ -12299,7 +12283,7 @@
           <a:p>
             <a:fld id="{5958763E-B898-436D-883D-03711491D54A}" type="datetimeFigureOut">
               <a:rPr lang="en-US" smtClean="0"/>
-              <a:t>5/27/2020</a:t>
+              <a:t>6/11/2020</a:t>
             </a:fld>
             <a:endParaRPr lang="en-US"/>
           </a:p>
@@ -12430,7 +12414,7 @@
           <a:p>
             <a:fld id="{5958763E-B898-436D-883D-03711491D54A}" type="datetimeFigureOut">
               <a:rPr lang="en-US" smtClean="0"/>
-              <a:t>5/27/2020</a:t>
+              <a:t>6/11/2020</a:t>
             </a:fld>
             <a:endParaRPr lang="en-US"/>
           </a:p>
@@ -12561,7 +12545,7 @@
           <a:p>
             <a:fld id="{5958763E-B898-436D-883D-03711491D54A}" type="datetimeFigureOut">
               <a:rPr lang="en-US" smtClean="0"/>
-              <a:t>5/27/2020</a:t>
+              <a:t>6/11/2020</a:t>
             </a:fld>
             <a:endParaRPr lang="en-US"/>
           </a:p>
@@ -12692,7 +12676,7 @@
           <a:p>
             <a:fld id="{5958763E-B898-436D-883D-03711491D54A}" type="datetimeFigureOut">
               <a:rPr lang="en-US" smtClean="0"/>
-              <a:t>5/27/2020</a:t>
+              <a:t>6/11/2020</a:t>
             </a:fld>
             <a:endParaRPr lang="en-US"/>
           </a:p>
@@ -12823,7 +12807,7 @@
           <a:p>
             <a:fld id="{5958763E-B898-436D-883D-03711491D54A}" type="datetimeFigureOut">
               <a:rPr lang="en-US" smtClean="0"/>
-              <a:t>5/27/2020</a:t>
+              <a:t>6/11/2020</a:t>
             </a:fld>
             <a:endParaRPr lang="en-US"/>
           </a:p>
@@ -12954,7 +12938,7 @@
           <a:p>
             <a:fld id="{5958763E-B898-436D-883D-03711491D54A}" type="datetimeFigureOut">
               <a:rPr lang="en-US" smtClean="0"/>
-              <a:t>5/27/2020</a:t>
+              <a:t>6/11/2020</a:t>
             </a:fld>
             <a:endParaRPr lang="en-US"/>
           </a:p>
@@ -13085,7 +13069,7 @@
           <a:p>
             <a:fld id="{5958763E-B898-436D-883D-03711491D54A}" type="datetimeFigureOut">
               <a:rPr lang="en-US" smtClean="0"/>
-              <a:t>5/27/2020</a:t>
+              <a:t>6/11/2020</a:t>
             </a:fld>
             <a:endParaRPr lang="en-US"/>
           </a:p>
@@ -13216,7 +13200,7 @@
           <a:p>
             <a:fld id="{5958763E-B898-436D-883D-03711491D54A}" type="datetimeFigureOut">
               <a:rPr lang="en-US" smtClean="0"/>
-              <a:t>5/27/2020</a:t>
+              <a:t>6/11/2020</a:t>
             </a:fld>
             <a:endParaRPr lang="en-US"/>
           </a:p>
@@ -13356,7 +13340,7 @@
           <a:p>
             <a:fld id="{5958763E-B898-436D-883D-03711491D54A}" type="datetimeFigureOut">
               <a:rPr lang="en-US" smtClean="0"/>
-              <a:t>5/27/2020</a:t>
+              <a:t>6/11/2020</a:t>
             </a:fld>
             <a:endParaRPr lang="en-US"/>
           </a:p>
@@ -16717,7 +16701,7 @@
             <a:fld id="{1C2D31DE-C454-491C-B5C3-F097855E3DF7}" type="datetime4">
               <a:rPr lang="en-US" smtClean="0"/>
               <a:pPr/>
-              <a:t>May 27, 2020</a:t>
+              <a:t>June 11, 2020</a:t>
             </a:fld>
             <a:endParaRPr lang="en-US" dirty="0"/>
           </a:p>
@@ -28962,7 +28946,7 @@
           <a:p>
             <a:fld id="{5958763E-B898-436D-883D-03711491D54A}" type="datetimeFigureOut">
               <a:rPr lang="en-US" smtClean="0"/>
-              <a:t>5/27/2020</a:t>
+              <a:t>6/11/2020</a:t>
             </a:fld>
             <a:endParaRPr lang="en-US"/>
           </a:p>
@@ -29371,7 +29355,7 @@
           <a:p>
             <a:fld id="{5958763E-B898-436D-883D-03711491D54A}" type="datetimeFigureOut">
               <a:rPr lang="en-US" smtClean="0"/>
-              <a:t>5/27/2020</a:t>
+              <a:t>6/11/2020</a:t>
             </a:fld>
             <a:endParaRPr lang="en-US"/>
           </a:p>
@@ -29672,7 +29656,7 @@
           <a:p>
             <a:fld id="{5958763E-B898-436D-883D-03711491D54A}" type="datetimeFigureOut">
               <a:rPr lang="en-US" smtClean="0"/>
-              <a:t>5/27/2020</a:t>
+              <a:t>6/11/2020</a:t>
             </a:fld>
             <a:endParaRPr lang="en-US"/>
           </a:p>
@@ -29880,7 +29864,7 @@
           <a:p>
             <a:fld id="{5958763E-B898-436D-883D-03711491D54A}" type="datetimeFigureOut">
               <a:rPr lang="en-US" smtClean="0"/>
-              <a:t>5/27/2020</a:t>
+              <a:t>6/11/2020</a:t>
             </a:fld>
             <a:endParaRPr lang="en-US"/>
           </a:p>
@@ -30148,7 +30132,7 @@
           <a:p>
             <a:fld id="{5958763E-B898-436D-883D-03711491D54A}" type="datetimeFigureOut">
               <a:rPr lang="en-US" smtClean="0"/>
-              <a:t>5/27/2020</a:t>
+              <a:t>6/11/2020</a:t>
             </a:fld>
             <a:endParaRPr lang="en-US"/>
           </a:p>
@@ -30665,7 +30649,7 @@
           <a:p>
             <a:fld id="{5958763E-B898-436D-883D-03711491D54A}" type="datetimeFigureOut">
               <a:rPr lang="en-US" smtClean="0"/>
-              <a:t>5/27/2020</a:t>
+              <a:t>6/11/2020</a:t>
             </a:fld>
             <a:endParaRPr lang="en-US"/>
           </a:p>
@@ -31153,7 +31137,7 @@
           <a:p>
             <a:fld id="{5958763E-B898-436D-883D-03711491D54A}" type="datetimeFigureOut">
               <a:rPr lang="en-US" smtClean="0"/>
-              <a:t>5/27/2020</a:t>
+              <a:t>6/11/2020</a:t>
             </a:fld>
             <a:endParaRPr lang="en-US"/>
           </a:p>
@@ -31979,7 +31963,7 @@
           <a:p>
             <a:fld id="{5958763E-B898-436D-883D-03711491D54A}" type="datetimeFigureOut">
               <a:rPr lang="en-US" smtClean="0"/>
-              <a:t>5/27/2020</a:t>
+              <a:t>6/11/2020</a:t>
             </a:fld>
             <a:endParaRPr lang="en-US"/>
           </a:p>
@@ -32187,7 +32171,7 @@
           <a:p>
             <a:fld id="{5958763E-B898-436D-883D-03711491D54A}" type="datetimeFigureOut">
               <a:rPr lang="en-US" smtClean="0"/>
-              <a:t>5/27/2020</a:t>
+              <a:t>6/11/2020</a:t>
             </a:fld>
             <a:endParaRPr lang="en-US"/>
           </a:p>
@@ -32529,7 +32513,7 @@
           <a:p>
             <a:fld id="{5958763E-B898-436D-883D-03711491D54A}" type="datetimeFigureOut">
               <a:rPr lang="en-US" smtClean="0"/>
-              <a:t>5/27/2020</a:t>
+              <a:t>6/11/2020</a:t>
             </a:fld>
             <a:endParaRPr lang="en-US"/>
           </a:p>
@@ -32766,7 +32750,7 @@
           <a:p>
             <a:fld id="{5958763E-B898-436D-883D-03711491D54A}" type="datetimeFigureOut">
               <a:rPr lang="en-US" smtClean="0"/>
-              <a:t>5/27/2020</a:t>
+              <a:t>6/11/2020</a:t>
             </a:fld>
             <a:endParaRPr lang="en-US"/>
           </a:p>
@@ -33017,7 +33001,7 @@
           <a:p>
             <a:fld id="{5958763E-B898-436D-883D-03711491D54A}" type="datetimeFigureOut">
               <a:rPr lang="en-US" smtClean="0"/>
-              <a:t>5/27/2020</a:t>
+              <a:t>6/11/2020</a:t>
             </a:fld>
             <a:endParaRPr lang="en-US"/>
           </a:p>
@@ -36718,7 +36702,7 @@
         </p:spPr>
         <p:txBody>
           <a:bodyPr>
-            <a:normAutofit/>
+            <a:normAutofit lnSpcReduction="10000"/>
           </a:bodyPr>
           <a:lstStyle/>
           <a:p>
@@ -36761,7 +36745,11 @@
           <a:p>
             <a:r>
               <a:rPr lang="en-US" dirty="0" smtClean="0"/>
-              <a:t>These books inspired </a:t>
+              <a:t>These books </a:t>
+            </a:r>
+            <a:r>
+              <a:rPr lang="en-US" dirty="0" smtClean="0"/>
+              <a:t>are the physical version of </a:t>
             </a:r>
             <a:r>
               <a:rPr lang="en-US" i="1" dirty="0" smtClean="0"/>
@@ -37596,7 +37584,7 @@
             <a:pPr marL="57150" indent="0">
               <a:buNone/>
             </a:pPr>
-            <a:endParaRPr lang="en-US" dirty="0"/>
+            <a:endParaRPr lang="en-US" dirty="0" smtClean="0"/>
           </a:p>
           <a:p>
             <a:pPr marL="57150" indent="0">
@@ -37608,7 +37596,7 @@
             <a:pPr marL="57150" indent="0">
               <a:buNone/>
             </a:pPr>
-            <a:endParaRPr lang="en-US" dirty="0"/>
+            <a:endParaRPr lang="en-US" dirty="0" smtClean="0"/>
           </a:p>
           <a:p>
             <a:pPr marL="57150" indent="0">
@@ -37620,7 +37608,7 @@
             <a:pPr marL="57150" indent="0">
               <a:buNone/>
             </a:pPr>
-            <a:endParaRPr lang="en-US" dirty="0"/>
+            <a:endParaRPr lang="en-US" dirty="0" smtClean="0"/>
           </a:p>
           <a:p>
             <a:pPr marL="57150" indent="0">
@@ -37646,13 +37634,7 @@
               <a:rPr lang="en-US" dirty="0" smtClean="0">
                 <a:hlinkClick r:id="rId3"/>
               </a:rPr>
-              <a:t>Dead </a:t>
-            </a:r>
-            <a:r>
-              <a:rPr lang="en-US" dirty="0" smtClean="0">
-                <a:hlinkClick r:id="rId3"/>
-              </a:rPr>
-              <a:t>Space</a:t>
+              <a:t>Dead Space</a:t>
             </a:r>
             <a:r>
               <a:rPr lang="en-US" dirty="0" smtClean="0"/>
